--- a/Classes/BackDev-01-Introducción.pptx
+++ b/Classes/BackDev-01-Introducción.pptx
@@ -220,7 +220,7 @@
           <a:p>
             <a:fld id="{4DB897FE-AC85-4059-92E4-10C4313254ED}" type="datetimeFigureOut">
               <a:rPr lang="en-US" smtClean="0"/>
-              <a:t>2/9/2022</a:t>
+              <a:t>7/27/2022</a:t>
             </a:fld>
             <a:endParaRPr lang="en-US"/>
           </a:p>
@@ -1523,7 +1523,7 @@
             <a:fld id="{EE425855-FD75-467C-BECD-0927F9A0E82A}" type="datetimeFigureOut">
               <a:rPr lang="es-CO" smtClean="0"/>
               <a:pPr/>
-              <a:t>9/02/2022</a:t>
+              <a:t>27/07/2022</a:t>
             </a:fld>
             <a:endParaRPr lang="es-CO"/>
           </a:p>
@@ -1848,7 +1848,7 @@
             <a:fld id="{EE425855-FD75-467C-BECD-0927F9A0E82A}" type="datetimeFigureOut">
               <a:rPr lang="es-CO" smtClean="0"/>
               <a:pPr/>
-              <a:t>9/02/2022</a:t>
+              <a:t>27/07/2022</a:t>
             </a:fld>
             <a:endParaRPr lang="es-CO"/>
           </a:p>
@@ -2086,7 +2086,7 @@
             <a:fld id="{EE425855-FD75-467C-BECD-0927F9A0E82A}" type="datetimeFigureOut">
               <a:rPr lang="es-CO" smtClean="0"/>
               <a:pPr/>
-              <a:t>9/02/2022</a:t>
+              <a:t>27/07/2022</a:t>
             </a:fld>
             <a:endParaRPr lang="es-CO"/>
           </a:p>
@@ -2317,7 +2317,7 @@
             <a:fld id="{EE425855-FD75-467C-BECD-0927F9A0E82A}" type="datetimeFigureOut">
               <a:rPr lang="es-CO" smtClean="0"/>
               <a:pPr/>
-              <a:t>9/02/2022</a:t>
+              <a:t>27/07/2022</a:t>
             </a:fld>
             <a:endParaRPr lang="es-CO"/>
           </a:p>
@@ -2548,7 +2548,7 @@
             <a:fld id="{EE425855-FD75-467C-BECD-0927F9A0E82A}" type="datetimeFigureOut">
               <a:rPr lang="es-CO" smtClean="0"/>
               <a:pPr/>
-              <a:t>9/02/2022</a:t>
+              <a:t>27/07/2022</a:t>
             </a:fld>
             <a:endParaRPr lang="es-CO"/>
           </a:p>
@@ -2829,7 +2829,7 @@
             <a:fld id="{EE425855-FD75-467C-BECD-0927F9A0E82A}" type="datetimeFigureOut">
               <a:rPr lang="es-CO" smtClean="0"/>
               <a:pPr/>
-              <a:t>9/02/2022</a:t>
+              <a:t>27/07/2022</a:t>
             </a:fld>
             <a:endParaRPr lang="es-CO"/>
           </a:p>
@@ -3923,7 +3923,7 @@
           <a:graphicData uri="http://schemas.openxmlformats.org/presentationml/2006/ole">
             <mc:AlternateContent xmlns:mc="http://schemas.openxmlformats.org/markup-compatibility/2006">
               <mc:Choice xmlns:v="urn:schemas-microsoft-com:vml" Requires="v">
-                <p:oleObj spid="_x0000_s1067" name="Worksheet" r:id="rId3" imgW="1457396" imgH="1152698" progId="Excel.Sheet.12">
+                <p:oleObj spid="_x0000_s1069" name="Worksheet" r:id="rId3" imgW="1457396" imgH="1152698" progId="Excel.Sheet.12">
                   <p:embed/>
                 </p:oleObj>
               </mc:Choice>
@@ -3963,7 +3963,7 @@
           <p:cNvPr id="6" name="Picture 8" descr="Chronometer free vector icons designed by Good Ware | Vector icon design,  Vector free, Vector icons">
             <a:extLst>
               <a:ext uri="{FF2B5EF4-FFF2-40B4-BE49-F238E27FC236}">
-                <a16:creationId xmlns:a16="http://schemas.microsoft.com/office/drawing/2014/main" xmlns="" id="{8D9A8D73-BE96-428E-BD83-4798528E1AD3}"/>
+                <a16:creationId xmlns="" xmlns:a16="http://schemas.microsoft.com/office/drawing/2014/main" id="{8D9A8D73-BE96-428E-BD83-4798528E1AD3}"/>
               </a:ext>
             </a:extLst>
           </p:cNvPr>
@@ -4239,7 +4239,7 @@
           <p:cNvPr id="16" name="Picture 15" descr="A person smiling for the camera&#10;&#10;Description automatically generated with low confidence">
             <a:extLst>
               <a:ext uri="{FF2B5EF4-FFF2-40B4-BE49-F238E27FC236}">
-                <a16:creationId xmlns:a16="http://schemas.microsoft.com/office/drawing/2014/main" xmlns="" id="{5DC97C0D-EB9B-4F0B-93EF-0D1AFD5A629D}"/>
+                <a16:creationId xmlns="" xmlns:a16="http://schemas.microsoft.com/office/drawing/2014/main" id="{5DC97C0D-EB9B-4F0B-93EF-0D1AFD5A629D}"/>
               </a:ext>
             </a:extLst>
           </p:cNvPr>
@@ -4285,7 +4285,7 @@
           <p:cNvPr id="17" name="TextBox 16">
             <a:extLst>
               <a:ext uri="{FF2B5EF4-FFF2-40B4-BE49-F238E27FC236}">
-                <a16:creationId xmlns:a16="http://schemas.microsoft.com/office/drawing/2014/main" xmlns="" id="{AB3A3CA4-03A7-4CAF-9E47-6B8D04208568}"/>
+                <a16:creationId xmlns="" xmlns:a16="http://schemas.microsoft.com/office/drawing/2014/main" id="{AB3A3CA4-03A7-4CAF-9E47-6B8D04208568}"/>
               </a:ext>
             </a:extLst>
           </p:cNvPr>
@@ -4329,7 +4329,7 @@
           <p:cNvPr id="18" name="TextBox 17">
             <a:extLst>
               <a:ext uri="{FF2B5EF4-FFF2-40B4-BE49-F238E27FC236}">
-                <a16:creationId xmlns:a16="http://schemas.microsoft.com/office/drawing/2014/main" xmlns="" id="{37F4DB09-ECAD-411E-957C-E734FFFF3CD0}"/>
+                <a16:creationId xmlns="" xmlns:a16="http://schemas.microsoft.com/office/drawing/2014/main" id="{37F4DB09-ECAD-411E-957C-E734FFFF3CD0}"/>
               </a:ext>
             </a:extLst>
           </p:cNvPr>
@@ -4980,7 +4980,7 @@
         </p:spPr>
         <p:txBody>
           <a:bodyPr>
-            <a:normAutofit fontScale="92500" lnSpcReduction="10000"/>
+            <a:normAutofit/>
           </a:bodyPr>
           <a:lstStyle/>
           <a:p>
@@ -5084,40 +5084,8 @@
               <a:t> </a:t>
             </a:r>
             <a:r>
-              <a:rPr lang="es-CO" dirty="0" err="1"/>
+              <a:rPr lang="es-CO" dirty="0" err="1" smtClean="0"/>
               <a:t>testing</a:t>
-            </a:r>
-            <a:endParaRPr lang="es-CO" dirty="0"/>
-          </a:p>
-          <a:p>
-            <a:pPr lvl="2"/>
-            <a:r>
-              <a:rPr lang="es-CO" dirty="0" err="1"/>
-              <a:t>Component</a:t>
-            </a:r>
-            <a:r>
-              <a:rPr lang="es-CO" dirty="0"/>
-              <a:t> </a:t>
-            </a:r>
-            <a:r>
-              <a:rPr lang="es-CO" dirty="0" err="1"/>
-              <a:t>Testing</a:t>
-            </a:r>
-            <a:endParaRPr lang="es-CO" dirty="0"/>
-          </a:p>
-          <a:p>
-            <a:pPr lvl="2"/>
-            <a:r>
-              <a:rPr lang="es-CO" dirty="0" err="1"/>
-              <a:t>Mutation</a:t>
-            </a:r>
-            <a:r>
-              <a:rPr lang="es-CO" dirty="0"/>
-              <a:t> </a:t>
-            </a:r>
-            <a:r>
-              <a:rPr lang="es-CO" dirty="0" err="1" smtClean="0"/>
-              <a:t>Testing</a:t>
             </a:r>
             <a:endParaRPr lang="es-CO" dirty="0"/>
           </a:p>
@@ -5196,7 +5164,7 @@
         </p:spPr>
         <p:txBody>
           <a:bodyPr>
-            <a:normAutofit fontScale="92500" lnSpcReduction="20000"/>
+            <a:normAutofit fontScale="92500" lnSpcReduction="10000"/>
           </a:bodyPr>
           <a:lstStyle/>
           <a:p>
@@ -5252,31 +5220,23 @@
             </a:r>
           </a:p>
           <a:p>
+            <a:r>
+              <a:rPr lang="en-US" b="1" dirty="0" err="1" smtClean="0"/>
+              <a:t>Opcionales</a:t>
+            </a:r>
+            <a:endParaRPr lang="en-US" b="1" dirty="0" smtClean="0"/>
+          </a:p>
+          <a:p>
             <a:pPr lvl="1"/>
             <a:r>
               <a:rPr lang="en-US" dirty="0" err="1" smtClean="0"/>
-              <a:t>Apis</a:t>
+              <a:t>Contenedores</a:t>
             </a:r>
             <a:r>
               <a:rPr lang="en-US" dirty="0" smtClean="0"/>
               <a:t> </a:t>
             </a:r>
             <a:r>
-              <a:rPr lang="en-US" dirty="0" err="1"/>
-              <a:t>Asincronicos</a:t>
-            </a:r>
-            <a:endParaRPr lang="en-US" dirty="0"/>
-          </a:p>
-          <a:p>
-            <a:r>
-              <a:rPr lang="en-US" dirty="0" err="1" smtClean="0"/>
-              <a:t>Contenedores</a:t>
-            </a:r>
-            <a:r>
-              <a:rPr lang="en-US" dirty="0" smtClean="0"/>
-              <a:t> </a:t>
-            </a:r>
-            <a:r>
               <a:rPr lang="en-US" dirty="0"/>
               <a:t>y </a:t>
             </a:r>
@@ -5298,7 +5258,7 @@
             </a:r>
           </a:p>
           <a:p>
-            <a:pPr lvl="1"/>
+            <a:pPr lvl="2"/>
             <a:r>
               <a:rPr lang="en-US" dirty="0" smtClean="0"/>
               <a:t>Docker </a:t>
@@ -5306,7 +5266,7 @@
             <a:endParaRPr lang="en-US" dirty="0"/>
           </a:p>
           <a:p>
-            <a:pPr lvl="1"/>
+            <a:pPr lvl="2"/>
             <a:r>
               <a:rPr lang="en-US" dirty="0" err="1" smtClean="0"/>
               <a:t>VirtualBox</a:t>
@@ -5314,6 +5274,7 @@
             <a:endParaRPr lang="en-US" dirty="0" smtClean="0"/>
           </a:p>
           <a:p>
+            <a:pPr lvl="1"/>
             <a:r>
               <a:rPr lang="en-US" dirty="0"/>
               <a:t>Bases de </a:t>
@@ -5328,27 +5289,19 @@
             </a:r>
           </a:p>
           <a:p>
-            <a:pPr lvl="1"/>
+            <a:pPr lvl="2"/>
             <a:r>
               <a:rPr lang="en-US" dirty="0"/>
-              <a:t>SQL</a:t>
-            </a:r>
-            <a:r>
-              <a:rPr lang="en-US"/>
-              <a:t>: </a:t>
-            </a:r>
-            <a:r>
-              <a:rPr lang="en-US" smtClean="0"/>
-              <a:t>MS </a:t>
-            </a:r>
-            <a:r>
-              <a:rPr lang="en-US" smtClean="0"/>
-              <a:t>SQL Server</a:t>
+              <a:t>SQL: </a:t>
+            </a:r>
+            <a:r>
+              <a:rPr lang="en-US" dirty="0" smtClean="0"/>
+              <a:t>MS SQL Server</a:t>
             </a:r>
             <a:endParaRPr lang="en-US" dirty="0"/>
           </a:p>
           <a:p>
-            <a:pPr lvl="1"/>
+            <a:pPr lvl="2"/>
             <a:r>
               <a:rPr lang="en-US" dirty="0" err="1"/>
               <a:t>NonSQL</a:t>
